--- a/california_housing_predict.pptx
+++ b/california_housing_predict.pptx
@@ -6552,7 +6552,7 @@
           <p:nvPr/>
         </p:nvPicPr>
         <p:blipFill rotWithShape="1">
-          <a:blip r:embed="rId7"/>
+          <a:blip r:embed="rId2"/>
           <a:srcRect l="314" t="3130" r="43413" b="-2981"/>
           <a:stretch/>
         </p:blipFill>
@@ -6770,7 +6770,7 @@
           <p:nvPr/>
         </p:nvPicPr>
         <p:blipFill>
-          <a:blip r:embed="rId3"/>
+          <a:blip r:embed="rId2"/>
           <a:stretch>
             <a:fillRect/>
           </a:stretch>
@@ -7216,7 +7216,7 @@
           <p:nvPr/>
         </p:nvPicPr>
         <p:blipFill>
-          <a:blip r:embed="rId3"/>
+          <a:blip r:embed="rId2"/>
           <a:srcRect/>
           <a:stretch/>
         </p:blipFill>
@@ -7245,7 +7245,7 @@
           <p:nvPr/>
         </p:nvPicPr>
         <p:blipFill>
-          <a:blip r:embed="rId4"/>
+          <a:blip r:embed="rId2"/>
           <a:stretch>
             <a:fillRect/>
           </a:stretch>
@@ -7392,7 +7392,7 @@
           <p:nvPr/>
         </p:nvPicPr>
         <p:blipFill>
-          <a:blip r:embed="rId4"/>
+          <a:blip r:embed="rId3"/>
           <a:stretch>
             <a:fillRect/>
           </a:stretch>

--- a/california_housing_predict.pptx
+++ b/california_housing_predict.pptx
@@ -6552,7 +6552,7 @@
           <p:nvPr/>
         </p:nvPicPr>
         <p:blipFill rotWithShape="1">
-          <a:blip r:embed="rId2"/>
+          <a:blip r:embed="rId7"/>
           <a:srcRect l="314" t="3130" r="43413" b="-2981"/>
           <a:stretch/>
         </p:blipFill>
@@ -6770,7 +6770,7 @@
           <p:nvPr/>
         </p:nvPicPr>
         <p:blipFill>
-          <a:blip r:embed="rId2"/>
+          <a:blip r:embed="rId3"/>
           <a:stretch>
             <a:fillRect/>
           </a:stretch>
@@ -7216,7 +7216,7 @@
           <p:nvPr/>
         </p:nvPicPr>
         <p:blipFill>
-          <a:blip r:embed="rId2"/>
+          <a:blip r:embed="rId3"/>
           <a:srcRect/>
           <a:stretch/>
         </p:blipFill>
@@ -7245,7 +7245,7 @@
           <p:nvPr/>
         </p:nvPicPr>
         <p:blipFill>
-          <a:blip r:embed="rId2"/>
+          <a:blip r:embed="rId4"/>
           <a:stretch>
             <a:fillRect/>
           </a:stretch>
@@ -7392,7 +7392,7 @@
           <p:nvPr/>
         </p:nvPicPr>
         <p:blipFill>
-          <a:blip r:embed="rId3"/>
+          <a:blip r:embed="rId4"/>
           <a:stretch>
             <a:fillRect/>
           </a:stretch>

--- a/california_housing_predict.pptx
+++ b/california_housing_predict.pptx
@@ -6421,14 +6421,13 @@
         </p:nvPicPr>
         <p:blipFill>
           <a:blip r:embed="rId2"/>
-          <a:stretch>
-            <a:fillRect/>
-          </a:stretch>
+          <a:srcRect/>
+          <a:stretch/>
         </p:blipFill>
         <p:spPr>
           <a:xfrm>
-            <a:off x="6765333" y="1218253"/>
-            <a:ext cx="5821161" cy="3880774"/>
+            <a:off x="7201920" y="1218253"/>
+            <a:ext cx="4947986" cy="3880774"/>
           </a:xfrm>
           <a:prstGeom prst="rect">
             <a:avLst/>
@@ -6655,7 +6654,7 @@
             </a:r>
             <a:r>
               <a:rPr kumimoji="1" lang="zh-TW" altLang="en-US" dirty="0"/>
-              <a:t>越靠近右邊（海邊）的房價越高</a:t>
+              <a:t>越靠近左邊（海邊）的房價越高</a:t>
             </a:r>
             <a:endParaRPr kumimoji="1" lang="en-US" altLang="zh-TW" dirty="0"/>
           </a:p>
@@ -6771,14 +6770,13 @@
         </p:nvPicPr>
         <p:blipFill>
           <a:blip r:embed="rId3"/>
-          <a:stretch>
-            <a:fillRect/>
-          </a:stretch>
+          <a:srcRect/>
+          <a:stretch/>
         </p:blipFill>
         <p:spPr>
           <a:xfrm>
-            <a:off x="6444343" y="136431"/>
-            <a:ext cx="5937071" cy="4155949"/>
+            <a:off x="6585702" y="136431"/>
+            <a:ext cx="5654352" cy="4155949"/>
           </a:xfrm>
           <a:prstGeom prst="rect">
             <a:avLst/>

--- a/california_housing_predict.pptx
+++ b/california_housing_predict.pptx
@@ -8,12 +8,14 @@
     <p:sldId id="256" r:id="rId2"/>
     <p:sldId id="264" r:id="rId3"/>
     <p:sldId id="263" r:id="rId4"/>
-    <p:sldId id="266" r:id="rId5"/>
-    <p:sldId id="265" r:id="rId6"/>
-    <p:sldId id="261" r:id="rId7"/>
-    <p:sldId id="262" r:id="rId8"/>
-    <p:sldId id="259" r:id="rId9"/>
-    <p:sldId id="260" r:id="rId10"/>
+    <p:sldId id="268" r:id="rId5"/>
+    <p:sldId id="266" r:id="rId6"/>
+    <p:sldId id="265" r:id="rId7"/>
+    <p:sldId id="267" r:id="rId8"/>
+    <p:sldId id="261" r:id="rId9"/>
+    <p:sldId id="262" r:id="rId10"/>
+    <p:sldId id="259" r:id="rId11"/>
+    <p:sldId id="260" r:id="rId12"/>
   </p:sldIdLst>
   <p:sldSz cx="12192000" cy="6858000"/>
   <p:notesSz cx="6858000" cy="9144000"/>
@@ -950,7 +952,7 @@
             <a:fld id="{B61BEF0D-F0BB-DE4B-95CE-6DB70DBA9567}" type="datetimeFigureOut">
               <a:rPr lang="en-US" dirty="0"/>
               <a:pPr/>
-              <a:t>8/12/21</a:t>
+              <a:t>8/16/21</a:t>
             </a:fld>
             <a:endParaRPr lang="en-US" dirty="0"/>
           </a:p>
@@ -1198,7 +1200,7 @@
             <a:fld id="{B61BEF0D-F0BB-DE4B-95CE-6DB70DBA9567}" type="datetimeFigureOut">
               <a:rPr lang="en-US" dirty="0"/>
               <a:pPr/>
-              <a:t>8/12/21</a:t>
+              <a:t>8/16/21</a:t>
             </a:fld>
             <a:endParaRPr lang="en-US" dirty="0"/>
           </a:p>
@@ -1509,7 +1511,7 @@
             <a:fld id="{B61BEF0D-F0BB-DE4B-95CE-6DB70DBA9567}" type="datetimeFigureOut">
               <a:rPr lang="en-US" dirty="0"/>
               <a:pPr/>
-              <a:t>8/12/21</a:t>
+              <a:t>8/16/21</a:t>
             </a:fld>
             <a:endParaRPr lang="en-US" dirty="0"/>
           </a:p>
@@ -1839,7 +1841,7 @@
             <a:fld id="{B61BEF0D-F0BB-DE4B-95CE-6DB70DBA9567}" type="datetimeFigureOut">
               <a:rPr lang="en-US" dirty="0"/>
               <a:pPr/>
-              <a:t>8/12/21</a:t>
+              <a:t>8/16/21</a:t>
             </a:fld>
             <a:endParaRPr lang="en-US" dirty="0"/>
           </a:p>
@@ -2150,7 +2152,7 @@
             <a:fld id="{B61BEF0D-F0BB-DE4B-95CE-6DB70DBA9567}" type="datetimeFigureOut">
               <a:rPr lang="en-US" dirty="0"/>
               <a:pPr/>
-              <a:t>8/12/21</a:t>
+              <a:t>8/16/21</a:t>
             </a:fld>
             <a:endParaRPr lang="en-US" dirty="0"/>
           </a:p>
@@ -2540,7 +2542,7 @@
             <a:fld id="{B61BEF0D-F0BB-DE4B-95CE-6DB70DBA9567}" type="datetimeFigureOut">
               <a:rPr lang="en-US" dirty="0"/>
               <a:pPr/>
-              <a:t>8/12/21</a:t>
+              <a:t>8/16/21</a:t>
             </a:fld>
             <a:endParaRPr lang="en-US" dirty="0"/>
           </a:p>
@@ -2706,7 +2708,7 @@
           <a:p>
             <a:fld id="{55C6B4A9-1611-4792-9094-5F34BCA07E0B}" type="datetimeFigureOut">
               <a:rPr lang="en-US" dirty="0"/>
-              <a:t>8/12/21</a:t>
+              <a:t>8/16/21</a:t>
             </a:fld>
             <a:endParaRPr lang="en-US" dirty="0"/>
           </a:p>
@@ -2882,7 +2884,7 @@
             <a:fld id="{B61BEF0D-F0BB-DE4B-95CE-6DB70DBA9567}" type="datetimeFigureOut">
               <a:rPr lang="en-US" dirty="0"/>
               <a:pPr/>
-              <a:t>8/12/21</a:t>
+              <a:t>8/16/21</a:t>
             </a:fld>
             <a:endParaRPr lang="en-US" dirty="0"/>
           </a:p>
@@ -3048,7 +3050,7 @@
           <a:p>
             <a:fld id="{42A54C80-263E-416B-A8E0-580EDEADCBDC}" type="datetimeFigureOut">
               <a:rPr lang="en-US" dirty="0"/>
-              <a:t>8/12/21</a:t>
+              <a:t>8/16/21</a:t>
             </a:fld>
             <a:endParaRPr lang="en-US" dirty="0"/>
           </a:p>
@@ -3291,7 +3293,7 @@
             <a:fld id="{B61BEF0D-F0BB-DE4B-95CE-6DB70DBA9567}" type="datetimeFigureOut">
               <a:rPr lang="en-US" dirty="0"/>
               <a:pPr/>
-              <a:t>8/12/21</a:t>
+              <a:t>8/16/21</a:t>
             </a:fld>
             <a:endParaRPr lang="en-US" dirty="0"/>
           </a:p>
@@ -3519,7 +3521,7 @@
           <a:p>
             <a:fld id="{42A54C80-263E-416B-A8E0-580EDEADCBDC}" type="datetimeFigureOut">
               <a:rPr lang="en-US" dirty="0"/>
-              <a:t>8/12/21</a:t>
+              <a:t>8/16/21</a:t>
             </a:fld>
             <a:endParaRPr lang="en-US" dirty="0"/>
           </a:p>
@@ -3889,7 +3891,7 @@
             <a:fld id="{B61BEF0D-F0BB-DE4B-95CE-6DB70DBA9567}" type="datetimeFigureOut">
               <a:rPr lang="en-US" dirty="0"/>
               <a:pPr/>
-              <a:t>8/12/21</a:t>
+              <a:t>8/16/21</a:t>
             </a:fld>
             <a:endParaRPr lang="en-US" dirty="0"/>
           </a:p>
@@ -4009,7 +4011,7 @@
             <a:fld id="{B61BEF0D-F0BB-DE4B-95CE-6DB70DBA9567}" type="datetimeFigureOut">
               <a:rPr lang="en-US" dirty="0"/>
               <a:pPr/>
-              <a:t>8/12/21</a:t>
+              <a:t>8/16/21</a:t>
             </a:fld>
             <a:endParaRPr lang="en-US" dirty="0"/>
           </a:p>
@@ -4101,7 +4103,7 @@
             <a:fld id="{B61BEF0D-F0BB-DE4B-95CE-6DB70DBA9567}" type="datetimeFigureOut">
               <a:rPr lang="en-US" dirty="0"/>
               <a:pPr/>
-              <a:t>8/12/21</a:t>
+              <a:t>8/16/21</a:t>
             </a:fld>
             <a:endParaRPr lang="en-US" dirty="0"/>
           </a:p>
@@ -4352,7 +4354,7 @@
           <a:p>
             <a:fld id="{42A54C80-263E-416B-A8E0-580EDEADCBDC}" type="datetimeFigureOut">
               <a:rPr lang="en-US" dirty="0"/>
-              <a:t>8/12/21</a:t>
+              <a:t>8/16/21</a:t>
             </a:fld>
             <a:endParaRPr lang="en-US" dirty="0"/>
           </a:p>
@@ -4654,7 +4656,7 @@
             <a:fld id="{B61BEF0D-F0BB-DE4B-95CE-6DB70DBA9567}" type="datetimeFigureOut">
               <a:rPr lang="en-US" dirty="0"/>
               <a:pPr/>
-              <a:t>8/12/21</a:t>
+              <a:t>8/16/21</a:t>
             </a:fld>
             <a:endParaRPr lang="en-US" dirty="0"/>
           </a:p>
@@ -5352,7 +5354,7 @@
             <a:fld id="{B61BEF0D-F0BB-DE4B-95CE-6DB70DBA9567}" type="datetimeFigureOut">
               <a:rPr lang="en-US" dirty="0"/>
               <a:pPr/>
-              <a:t>8/12/21</a:t>
+              <a:t>8/16/21</a:t>
             </a:fld>
             <a:endParaRPr lang="en-US" dirty="0"/>
           </a:p>
@@ -5977,6 +5979,264 @@
 </p:sld>
 </file>
 
+<file path=ppt/slides/slide10.xml><?xml version="1.0" encoding="utf-8"?>
+<p:sld xmlns:a="http://schemas.openxmlformats.org/drawingml/2006/main" xmlns:r="http://schemas.openxmlformats.org/officeDocument/2006/relationships" xmlns:p="http://schemas.openxmlformats.org/presentationml/2006/main">
+  <p:cSld>
+    <p:spTree>
+      <p:nvGrpSpPr>
+        <p:cNvPr id="1" name=""/>
+        <p:cNvGrpSpPr/>
+        <p:nvPr/>
+      </p:nvGrpSpPr>
+      <p:grpSpPr>
+        <a:xfrm>
+          <a:off x="0" y="0"/>
+          <a:ext cx="0" cy="0"/>
+          <a:chOff x="0" y="0"/>
+          <a:chExt cx="0" cy="0"/>
+        </a:xfrm>
+      </p:grpSpPr>
+      <p:sp>
+        <p:nvSpPr>
+          <p:cNvPr id="2" name="標題 1">
+            <a:extLst>
+              <a:ext uri="{FF2B5EF4-FFF2-40B4-BE49-F238E27FC236}">
+                <a16:creationId xmlns:a16="http://schemas.microsoft.com/office/drawing/2014/main" id="{C9C06E05-6AF5-CE4B-869E-6BC30EA20D73}"/>
+              </a:ext>
+            </a:extLst>
+          </p:cNvPr>
+          <p:cNvSpPr>
+            <a:spLocks noGrp="1"/>
+          </p:cNvSpPr>
+          <p:nvPr>
+            <p:ph type="title"/>
+          </p:nvPr>
+        </p:nvSpPr>
+        <p:spPr/>
+        <p:txBody>
+          <a:bodyPr/>
+          <a:lstStyle/>
+          <a:p>
+            <a:r>
+              <a:rPr kumimoji="1" lang="en-US" altLang="zh-TW" dirty="0"/>
+              <a:t>Gradient descent</a:t>
+            </a:r>
+            <a:endParaRPr kumimoji="1" lang="zh-TW" altLang="en-US" dirty="0"/>
+          </a:p>
+        </p:txBody>
+      </p:sp>
+      <p:pic>
+        <p:nvPicPr>
+          <p:cNvPr id="5" name="圖片 4">
+            <a:extLst>
+              <a:ext uri="{FF2B5EF4-FFF2-40B4-BE49-F238E27FC236}">
+                <a16:creationId xmlns:a16="http://schemas.microsoft.com/office/drawing/2014/main" id="{A53AB0F7-C93B-6A46-B5AC-FD825BB23B56}"/>
+              </a:ext>
+            </a:extLst>
+          </p:cNvPr>
+          <p:cNvPicPr>
+            <a:picLocks noChangeAspect="1"/>
+          </p:cNvPicPr>
+          <p:nvPr/>
+        </p:nvPicPr>
+        <p:blipFill>
+          <a:blip r:embed="rId2"/>
+          <a:srcRect/>
+          <a:stretch/>
+        </p:blipFill>
+        <p:spPr>
+          <a:xfrm>
+            <a:off x="6120000" y="2520000"/>
+            <a:ext cx="5486400" cy="3657600"/>
+          </a:xfrm>
+          <a:prstGeom prst="rect">
+            <a:avLst/>
+          </a:prstGeom>
+        </p:spPr>
+      </p:pic>
+      <p:pic>
+        <p:nvPicPr>
+          <p:cNvPr id="6" name="圖片 5">
+            <a:extLst>
+              <a:ext uri="{FF2B5EF4-FFF2-40B4-BE49-F238E27FC236}">
+                <a16:creationId xmlns:a16="http://schemas.microsoft.com/office/drawing/2014/main" id="{DD42694C-E7FB-8B41-B58C-A026B8690E7A}"/>
+              </a:ext>
+            </a:extLst>
+          </p:cNvPr>
+          <p:cNvPicPr>
+            <a:picLocks noChangeAspect="1"/>
+          </p:cNvPicPr>
+          <p:nvPr/>
+        </p:nvPicPr>
+        <p:blipFill>
+          <a:blip r:embed="rId3"/>
+          <a:srcRect/>
+          <a:stretch/>
+        </p:blipFill>
+        <p:spPr>
+          <a:xfrm>
+            <a:off x="252000" y="2520000"/>
+            <a:ext cx="5486400" cy="3657600"/>
+          </a:xfrm>
+          <a:prstGeom prst="rect">
+            <a:avLst/>
+          </a:prstGeom>
+        </p:spPr>
+      </p:pic>
+      <p:pic>
+        <p:nvPicPr>
+          <p:cNvPr id="4" name="圖片 3">
+            <a:extLst>
+              <a:ext uri="{FF2B5EF4-FFF2-40B4-BE49-F238E27FC236}">
+                <a16:creationId xmlns:a16="http://schemas.microsoft.com/office/drawing/2014/main" id="{5E14B9B5-3F58-3E41-B958-4DBEBEA2B1B0}"/>
+              </a:ext>
+            </a:extLst>
+          </p:cNvPr>
+          <p:cNvPicPr>
+            <a:picLocks noChangeAspect="1"/>
+          </p:cNvPicPr>
+          <p:nvPr/>
+        </p:nvPicPr>
+        <p:blipFill>
+          <a:blip r:embed="rId4"/>
+          <a:stretch>
+            <a:fillRect/>
+          </a:stretch>
+        </p:blipFill>
+        <p:spPr>
+          <a:xfrm>
+            <a:off x="7010400" y="680400"/>
+            <a:ext cx="5181600" cy="1117600"/>
+          </a:xfrm>
+          <a:prstGeom prst="rect">
+            <a:avLst/>
+          </a:prstGeom>
+        </p:spPr>
+      </p:pic>
+    </p:spTree>
+    <p:extLst>
+      <p:ext uri="{BB962C8B-B14F-4D97-AF65-F5344CB8AC3E}">
+        <p14:creationId xmlns:p14="http://schemas.microsoft.com/office/powerpoint/2010/main" val="2206816352"/>
+      </p:ext>
+    </p:extLst>
+  </p:cSld>
+  <p:clrMapOvr>
+    <a:masterClrMapping/>
+  </p:clrMapOvr>
+</p:sld>
+</file>
+
+<file path=ppt/slides/slide11.xml><?xml version="1.0" encoding="utf-8"?>
+<p:sld xmlns:a="http://schemas.openxmlformats.org/drawingml/2006/main" xmlns:r="http://schemas.openxmlformats.org/officeDocument/2006/relationships" xmlns:p="http://schemas.openxmlformats.org/presentationml/2006/main">
+  <p:cSld>
+    <p:spTree>
+      <p:nvGrpSpPr>
+        <p:cNvPr id="1" name=""/>
+        <p:cNvGrpSpPr/>
+        <p:nvPr/>
+      </p:nvGrpSpPr>
+      <p:grpSpPr>
+        <a:xfrm>
+          <a:off x="0" y="0"/>
+          <a:ext cx="0" cy="0"/>
+          <a:chOff x="0" y="0"/>
+          <a:chExt cx="0" cy="0"/>
+        </a:xfrm>
+      </p:grpSpPr>
+      <p:sp>
+        <p:nvSpPr>
+          <p:cNvPr id="2" name="標題 1">
+            <a:extLst>
+              <a:ext uri="{FF2B5EF4-FFF2-40B4-BE49-F238E27FC236}">
+                <a16:creationId xmlns:a16="http://schemas.microsoft.com/office/drawing/2014/main" id="{B21D5DE3-7A24-BB40-B37A-B232FA273C24}"/>
+              </a:ext>
+            </a:extLst>
+          </p:cNvPr>
+          <p:cNvSpPr>
+            <a:spLocks noGrp="1"/>
+          </p:cNvSpPr>
+          <p:nvPr>
+            <p:ph type="title"/>
+          </p:nvPr>
+        </p:nvSpPr>
+        <p:spPr>
+          <a:xfrm>
+            <a:off x="1305295" y="2934158"/>
+            <a:ext cx="8224295" cy="1320800"/>
+          </a:xfrm>
+        </p:spPr>
+        <p:txBody>
+          <a:bodyPr>
+            <a:normAutofit fontScale="90000"/>
+          </a:bodyPr>
+          <a:lstStyle/>
+          <a:p>
+            <a:r>
+              <a:rPr kumimoji="1" lang="zh-TW" altLang="en-US" sz="2200" dirty="0">
+                <a:solidFill>
+                  <a:schemeClr val="tx1"/>
+                </a:solidFill>
+                <a:hlinkClick r:id="rId2">
+                  <a:extLst>
+                    <a:ext uri="{A12FA001-AC4F-418D-AE19-62706E023703}">
+                      <ahyp:hlinkClr xmlns:ahyp="http://schemas.microsoft.com/office/drawing/2018/hyperlinkcolor" val="tx"/>
+                    </a:ext>
+                  </a:extLst>
+                </a:hlinkClick>
+              </a:rPr>
+              <a:t>程式碼</a:t>
+            </a:r>
+            <a:br>
+              <a:rPr kumimoji="1" lang="en-US" altLang="zh-TW" sz="2200" dirty="0">
+                <a:solidFill>
+                  <a:schemeClr val="tx1"/>
+                </a:solidFill>
+              </a:rPr>
+            </a:br>
+            <a:r>
+              <a:rPr kumimoji="1" lang="en-US" altLang="zh-TW" sz="2200" dirty="0">
+                <a:solidFill>
+                  <a:schemeClr val="tx1"/>
+                </a:solidFill>
+                <a:hlinkClick r:id="rId2"/>
+              </a:rPr>
+              <a:t>https://github.com/keke87cc/california_housing_prediction</a:t>
+            </a:r>
+            <a:br>
+              <a:rPr kumimoji="1" lang="en-US" altLang="zh-TW" sz="2200" dirty="0">
+                <a:solidFill>
+                  <a:schemeClr val="tx1"/>
+                </a:solidFill>
+              </a:rPr>
+            </a:br>
+            <a:br>
+              <a:rPr kumimoji="1" lang="en-US" altLang="zh-TW" sz="2200" dirty="0">
+                <a:solidFill>
+                  <a:schemeClr val="tx1"/>
+                </a:solidFill>
+              </a:rPr>
+            </a:br>
+            <a:endParaRPr kumimoji="1" lang="zh-TW" altLang="en-US" sz="2200" dirty="0">
+              <a:solidFill>
+                <a:schemeClr val="tx1"/>
+              </a:solidFill>
+            </a:endParaRPr>
+          </a:p>
+        </p:txBody>
+      </p:sp>
+    </p:spTree>
+    <p:extLst>
+      <p:ext uri="{BB962C8B-B14F-4D97-AF65-F5344CB8AC3E}">
+        <p14:creationId xmlns:p14="http://schemas.microsoft.com/office/powerpoint/2010/main" val="4215657894"/>
+      </p:ext>
+    </p:extLst>
+  </p:cSld>
+  <p:clrMapOvr>
+    <a:masterClrMapping/>
+  </p:clrMapOvr>
+</p:sld>
+</file>
+
 <file path=ppt/slides/slide2.xml><?xml version="1.0" encoding="utf-8"?>
 <p:sld xmlns:a="http://schemas.openxmlformats.org/drawingml/2006/main" xmlns:r="http://schemas.openxmlformats.org/officeDocument/2006/relationships" xmlns:p="http://schemas.openxmlformats.org/presentationml/2006/main">
   <p:cSld>
@@ -6434,8 +6694,8 @@
           </a:prstGeom>
         </p:spPr>
       </p:pic>
-      <mc:AlternateContent xmlns:mc="http://schemas.openxmlformats.org/markup-compatibility/2006" xmlns:p14="http://schemas.microsoft.com/office/powerpoint/2010/main">
-        <mc:Choice Requires="p14">
+      <mc:AlternateContent xmlns:mc="http://schemas.openxmlformats.org/markup-compatibility/2006">
+        <mc:Choice xmlns:p14="http://schemas.microsoft.com/office/powerpoint/2010/main" Requires="p14">
           <p:contentPart p14:bwMode="auto" r:id="rId3">
             <p14:nvContentPartPr>
               <p14:cNvPr id="7" name="筆跡 6">
@@ -6449,12 +6709,12 @@
               <p14:nvPr/>
             </p14:nvContentPartPr>
             <p14:xfrm>
-              <a:off x="10715557" y="3089697"/>
+              <a:off x="10629495" y="3405311"/>
               <a:ext cx="786240" cy="540720"/>
             </p14:xfrm>
           </p:contentPart>
         </mc:Choice>
-        <mc:Fallback xmlns="">
+        <mc:Fallback>
           <p:pic>
             <p:nvPicPr>
               <p:cNvPr id="7" name="筆跡 6">
@@ -6475,7 +6735,7 @@
             </p:blipFill>
             <p:spPr>
               <a:xfrm>
-                <a:off x="10706557" y="3080697"/>
+                <a:off x="10620495" y="3396311"/>
                 <a:ext cx="803880" cy="558360"/>
               </a:xfrm>
               <a:prstGeom prst="rect">
@@ -6600,6 +6860,86 @@
           <p:cNvPr id="2" name="標題 1">
             <a:extLst>
               <a:ext uri="{FF2B5EF4-FFF2-40B4-BE49-F238E27FC236}">
+                <a16:creationId xmlns:a16="http://schemas.microsoft.com/office/drawing/2014/main" id="{185C0B4D-869F-7248-AAD8-049A9293F9DF}"/>
+              </a:ext>
+            </a:extLst>
+          </p:cNvPr>
+          <p:cNvSpPr>
+            <a:spLocks noGrp="1"/>
+          </p:cNvSpPr>
+          <p:nvPr>
+            <p:ph type="title"/>
+          </p:nvPr>
+        </p:nvSpPr>
+        <p:spPr/>
+        <p:txBody>
+          <a:bodyPr/>
+          <a:lstStyle/>
+          <a:p>
+            <a:endParaRPr kumimoji="1" lang="zh-TW" altLang="en-US"/>
+          </a:p>
+        </p:txBody>
+      </p:sp>
+      <p:sp>
+        <p:nvSpPr>
+          <p:cNvPr id="3" name="內容版面配置區 2">
+            <a:extLst>
+              <a:ext uri="{FF2B5EF4-FFF2-40B4-BE49-F238E27FC236}">
+                <a16:creationId xmlns:a16="http://schemas.microsoft.com/office/drawing/2014/main" id="{3322B3E0-1BEA-4B4E-9956-F24677F017CD}"/>
+              </a:ext>
+            </a:extLst>
+          </p:cNvPr>
+          <p:cNvSpPr>
+            <a:spLocks noGrp="1"/>
+          </p:cNvSpPr>
+          <p:nvPr>
+            <p:ph idx="1"/>
+          </p:nvPr>
+        </p:nvSpPr>
+        <p:spPr/>
+        <p:txBody>
+          <a:bodyPr/>
+          <a:lstStyle/>
+          <a:p>
+            <a:endParaRPr kumimoji="1" lang="zh-TW" altLang="en-US"/>
+          </a:p>
+        </p:txBody>
+      </p:sp>
+    </p:spTree>
+    <p:extLst>
+      <p:ext uri="{BB962C8B-B14F-4D97-AF65-F5344CB8AC3E}">
+        <p14:creationId xmlns:p14="http://schemas.microsoft.com/office/powerpoint/2010/main" val="3678291207"/>
+      </p:ext>
+    </p:extLst>
+  </p:cSld>
+  <p:clrMapOvr>
+    <a:masterClrMapping/>
+  </p:clrMapOvr>
+</p:sld>
+</file>
+
+<file path=ppt/slides/slide5.xml><?xml version="1.0" encoding="utf-8"?>
+<p:sld xmlns:a="http://schemas.openxmlformats.org/drawingml/2006/main" xmlns:r="http://schemas.openxmlformats.org/officeDocument/2006/relationships" xmlns:p="http://schemas.openxmlformats.org/presentationml/2006/main">
+  <p:cSld>
+    <p:spTree>
+      <p:nvGrpSpPr>
+        <p:cNvPr id="1" name=""/>
+        <p:cNvGrpSpPr/>
+        <p:nvPr/>
+      </p:nvGrpSpPr>
+      <p:grpSpPr>
+        <a:xfrm>
+          <a:off x="0" y="0"/>
+          <a:ext cx="0" cy="0"/>
+          <a:chOff x="0" y="0"/>
+          <a:chExt cx="0" cy="0"/>
+        </a:xfrm>
+      </p:grpSpPr>
+      <p:sp>
+        <p:nvSpPr>
+          <p:cNvPr id="2" name="標題 1">
+            <a:extLst>
+              <a:ext uri="{FF2B5EF4-FFF2-40B4-BE49-F238E27FC236}">
                 <a16:creationId xmlns:a16="http://schemas.microsoft.com/office/drawing/2014/main" id="{38EB59FF-826F-6440-8487-0E6325BDFC2D}"/>
               </a:ext>
             </a:extLst>
@@ -6796,7 +7136,7 @@
 </p:sld>
 </file>
 
-<file path=ppt/slides/slide5.xml><?xml version="1.0" encoding="utf-8"?>
+<file path=ppt/slides/slide6.xml><?xml version="1.0" encoding="utf-8"?>
 <p:sld xmlns:a="http://schemas.openxmlformats.org/drawingml/2006/main" xmlns:r="http://schemas.openxmlformats.org/officeDocument/2006/relationships" xmlns:p="http://schemas.openxmlformats.org/presentationml/2006/main">
   <p:cSld>
     <p:spTree>
@@ -6951,7 +7291,112 @@
 </p:sld>
 </file>
 
-<file path=ppt/slides/slide6.xml><?xml version="1.0" encoding="utf-8"?>
+<file path=ppt/slides/slide7.xml><?xml version="1.0" encoding="utf-8"?>
+<p:sld xmlns:a="http://schemas.openxmlformats.org/drawingml/2006/main" xmlns:r="http://schemas.openxmlformats.org/officeDocument/2006/relationships" xmlns:p="http://schemas.openxmlformats.org/presentationml/2006/main">
+  <p:cSld>
+    <p:spTree>
+      <p:nvGrpSpPr>
+        <p:cNvPr id="1" name=""/>
+        <p:cNvGrpSpPr/>
+        <p:nvPr/>
+      </p:nvGrpSpPr>
+      <p:grpSpPr>
+        <a:xfrm>
+          <a:off x="0" y="0"/>
+          <a:ext cx="0" cy="0"/>
+          <a:chOff x="0" y="0"/>
+          <a:chExt cx="0" cy="0"/>
+        </a:xfrm>
+      </p:grpSpPr>
+      <p:sp>
+        <p:nvSpPr>
+          <p:cNvPr id="2" name="標題 1">
+            <a:extLst>
+              <a:ext uri="{FF2B5EF4-FFF2-40B4-BE49-F238E27FC236}">
+                <a16:creationId xmlns:a16="http://schemas.microsoft.com/office/drawing/2014/main" id="{C00E97DD-7912-E740-93B9-EDC3B473B29E}"/>
+              </a:ext>
+            </a:extLst>
+          </p:cNvPr>
+          <p:cNvSpPr>
+            <a:spLocks noGrp="1"/>
+          </p:cNvSpPr>
+          <p:nvPr>
+            <p:ph type="title"/>
+          </p:nvPr>
+        </p:nvSpPr>
+        <p:spPr/>
+        <p:txBody>
+          <a:bodyPr/>
+          <a:lstStyle/>
+          <a:p>
+            <a:r>
+              <a:rPr kumimoji="1" lang="en-US" altLang="zh-TW" dirty="0" err="1"/>
+              <a:t>Sklearn</a:t>
+            </a:r>
+            <a:r>
+              <a:rPr kumimoji="1" lang="zh-TW" altLang="en-US" dirty="0"/>
+              <a:t> </a:t>
+            </a:r>
+            <a:r>
+              <a:rPr kumimoji="1" lang="en-US" altLang="zh-TW" dirty="0"/>
+              <a:t>:</a:t>
+            </a:r>
+            <a:r>
+              <a:rPr kumimoji="1" lang="zh-TW" altLang="en-US" dirty="0"/>
+              <a:t> </a:t>
+            </a:r>
+            <a:r>
+              <a:rPr kumimoji="1" lang="en-US" altLang="zh-TW" dirty="0"/>
+              <a:t>r2_score</a:t>
+            </a:r>
+            <a:endParaRPr kumimoji="1" lang="zh-TW" altLang="en-US" dirty="0"/>
+          </a:p>
+        </p:txBody>
+      </p:sp>
+      <p:pic>
+        <p:nvPicPr>
+          <p:cNvPr id="4" name="圖片 3">
+            <a:extLst>
+              <a:ext uri="{FF2B5EF4-FFF2-40B4-BE49-F238E27FC236}">
+                <a16:creationId xmlns:a16="http://schemas.microsoft.com/office/drawing/2014/main" id="{48095A63-F43F-8149-A672-865319B5F3F5}"/>
+              </a:ext>
+            </a:extLst>
+          </p:cNvPr>
+          <p:cNvPicPr>
+            <a:picLocks noChangeAspect="1"/>
+          </p:cNvPicPr>
+          <p:nvPr/>
+        </p:nvPicPr>
+        <p:blipFill>
+          <a:blip r:embed="rId2"/>
+          <a:stretch>
+            <a:fillRect/>
+          </a:stretch>
+        </p:blipFill>
+        <p:spPr>
+          <a:xfrm>
+            <a:off x="1680213" y="2905530"/>
+            <a:ext cx="9274002" cy="1625207"/>
+          </a:xfrm>
+          <a:prstGeom prst="rect">
+            <a:avLst/>
+          </a:prstGeom>
+        </p:spPr>
+      </p:pic>
+    </p:spTree>
+    <p:extLst>
+      <p:ext uri="{BB962C8B-B14F-4D97-AF65-F5344CB8AC3E}">
+        <p14:creationId xmlns:p14="http://schemas.microsoft.com/office/powerpoint/2010/main" val="3439964715"/>
+      </p:ext>
+    </p:extLst>
+  </p:cSld>
+  <p:clrMapOvr>
+    <a:masterClrMapping/>
+  </p:clrMapOvr>
+</p:sld>
+</file>
+
+<file path=ppt/slides/slide8.xml><?xml version="1.0" encoding="utf-8"?>
 <p:sld xmlns:a="http://schemas.openxmlformats.org/drawingml/2006/main" xmlns:r="http://schemas.openxmlformats.org/officeDocument/2006/relationships" xmlns:p="http://schemas.openxmlformats.org/presentationml/2006/main">
   <p:cSld>
     <p:spTree>
@@ -7100,7 +7545,7 @@
 </p:sld>
 </file>
 
-<file path=ppt/slides/slide7.xml><?xml version="1.0" encoding="utf-8"?>
+<file path=ppt/slides/slide9.xml><?xml version="1.0" encoding="utf-8"?>
 <p:sld xmlns:a="http://schemas.openxmlformats.org/drawingml/2006/main" xmlns:r="http://schemas.openxmlformats.org/officeDocument/2006/relationships" xmlns:p="http://schemas.openxmlformats.org/presentationml/2006/main">
   <p:cSld>
     <p:spTree>
@@ -7262,264 +7707,6 @@
     <p:extLst>
       <p:ext uri="{BB962C8B-B14F-4D97-AF65-F5344CB8AC3E}">
         <p14:creationId xmlns:p14="http://schemas.microsoft.com/office/powerpoint/2010/main" val="3562208191"/>
-      </p:ext>
-    </p:extLst>
-  </p:cSld>
-  <p:clrMapOvr>
-    <a:masterClrMapping/>
-  </p:clrMapOvr>
-</p:sld>
-</file>
-
-<file path=ppt/slides/slide8.xml><?xml version="1.0" encoding="utf-8"?>
-<p:sld xmlns:a="http://schemas.openxmlformats.org/drawingml/2006/main" xmlns:r="http://schemas.openxmlformats.org/officeDocument/2006/relationships" xmlns:p="http://schemas.openxmlformats.org/presentationml/2006/main">
-  <p:cSld>
-    <p:spTree>
-      <p:nvGrpSpPr>
-        <p:cNvPr id="1" name=""/>
-        <p:cNvGrpSpPr/>
-        <p:nvPr/>
-      </p:nvGrpSpPr>
-      <p:grpSpPr>
-        <a:xfrm>
-          <a:off x="0" y="0"/>
-          <a:ext cx="0" cy="0"/>
-          <a:chOff x="0" y="0"/>
-          <a:chExt cx="0" cy="0"/>
-        </a:xfrm>
-      </p:grpSpPr>
-      <p:sp>
-        <p:nvSpPr>
-          <p:cNvPr id="2" name="標題 1">
-            <a:extLst>
-              <a:ext uri="{FF2B5EF4-FFF2-40B4-BE49-F238E27FC236}">
-                <a16:creationId xmlns:a16="http://schemas.microsoft.com/office/drawing/2014/main" id="{C9C06E05-6AF5-CE4B-869E-6BC30EA20D73}"/>
-              </a:ext>
-            </a:extLst>
-          </p:cNvPr>
-          <p:cNvSpPr>
-            <a:spLocks noGrp="1"/>
-          </p:cNvSpPr>
-          <p:nvPr>
-            <p:ph type="title"/>
-          </p:nvPr>
-        </p:nvSpPr>
-        <p:spPr/>
-        <p:txBody>
-          <a:bodyPr/>
-          <a:lstStyle/>
-          <a:p>
-            <a:r>
-              <a:rPr kumimoji="1" lang="en-US" altLang="zh-TW" dirty="0"/>
-              <a:t>Gradient descent</a:t>
-            </a:r>
-            <a:endParaRPr kumimoji="1" lang="zh-TW" altLang="en-US" dirty="0"/>
-          </a:p>
-        </p:txBody>
-      </p:sp>
-      <p:pic>
-        <p:nvPicPr>
-          <p:cNvPr id="5" name="圖片 4">
-            <a:extLst>
-              <a:ext uri="{FF2B5EF4-FFF2-40B4-BE49-F238E27FC236}">
-                <a16:creationId xmlns:a16="http://schemas.microsoft.com/office/drawing/2014/main" id="{A53AB0F7-C93B-6A46-B5AC-FD825BB23B56}"/>
-              </a:ext>
-            </a:extLst>
-          </p:cNvPr>
-          <p:cNvPicPr>
-            <a:picLocks noChangeAspect="1"/>
-          </p:cNvPicPr>
-          <p:nvPr/>
-        </p:nvPicPr>
-        <p:blipFill>
-          <a:blip r:embed="rId2"/>
-          <a:srcRect/>
-          <a:stretch/>
-        </p:blipFill>
-        <p:spPr>
-          <a:xfrm>
-            <a:off x="6120000" y="2520000"/>
-            <a:ext cx="5486400" cy="3657600"/>
-          </a:xfrm>
-          <a:prstGeom prst="rect">
-            <a:avLst/>
-          </a:prstGeom>
-        </p:spPr>
-      </p:pic>
-      <p:pic>
-        <p:nvPicPr>
-          <p:cNvPr id="6" name="圖片 5">
-            <a:extLst>
-              <a:ext uri="{FF2B5EF4-FFF2-40B4-BE49-F238E27FC236}">
-                <a16:creationId xmlns:a16="http://schemas.microsoft.com/office/drawing/2014/main" id="{DD42694C-E7FB-8B41-B58C-A026B8690E7A}"/>
-              </a:ext>
-            </a:extLst>
-          </p:cNvPr>
-          <p:cNvPicPr>
-            <a:picLocks noChangeAspect="1"/>
-          </p:cNvPicPr>
-          <p:nvPr/>
-        </p:nvPicPr>
-        <p:blipFill>
-          <a:blip r:embed="rId3"/>
-          <a:srcRect/>
-          <a:stretch/>
-        </p:blipFill>
-        <p:spPr>
-          <a:xfrm>
-            <a:off x="252000" y="2520000"/>
-            <a:ext cx="5486400" cy="3657600"/>
-          </a:xfrm>
-          <a:prstGeom prst="rect">
-            <a:avLst/>
-          </a:prstGeom>
-        </p:spPr>
-      </p:pic>
-      <p:pic>
-        <p:nvPicPr>
-          <p:cNvPr id="4" name="圖片 3">
-            <a:extLst>
-              <a:ext uri="{FF2B5EF4-FFF2-40B4-BE49-F238E27FC236}">
-                <a16:creationId xmlns:a16="http://schemas.microsoft.com/office/drawing/2014/main" id="{5E14B9B5-3F58-3E41-B958-4DBEBEA2B1B0}"/>
-              </a:ext>
-            </a:extLst>
-          </p:cNvPr>
-          <p:cNvPicPr>
-            <a:picLocks noChangeAspect="1"/>
-          </p:cNvPicPr>
-          <p:nvPr/>
-        </p:nvPicPr>
-        <p:blipFill>
-          <a:blip r:embed="rId4"/>
-          <a:stretch>
-            <a:fillRect/>
-          </a:stretch>
-        </p:blipFill>
-        <p:spPr>
-          <a:xfrm>
-            <a:off x="7010400" y="680400"/>
-            <a:ext cx="5181600" cy="1117600"/>
-          </a:xfrm>
-          <a:prstGeom prst="rect">
-            <a:avLst/>
-          </a:prstGeom>
-        </p:spPr>
-      </p:pic>
-    </p:spTree>
-    <p:extLst>
-      <p:ext uri="{BB962C8B-B14F-4D97-AF65-F5344CB8AC3E}">
-        <p14:creationId xmlns:p14="http://schemas.microsoft.com/office/powerpoint/2010/main" val="2206816352"/>
-      </p:ext>
-    </p:extLst>
-  </p:cSld>
-  <p:clrMapOvr>
-    <a:masterClrMapping/>
-  </p:clrMapOvr>
-</p:sld>
-</file>
-
-<file path=ppt/slides/slide9.xml><?xml version="1.0" encoding="utf-8"?>
-<p:sld xmlns:a="http://schemas.openxmlformats.org/drawingml/2006/main" xmlns:r="http://schemas.openxmlformats.org/officeDocument/2006/relationships" xmlns:p="http://schemas.openxmlformats.org/presentationml/2006/main">
-  <p:cSld>
-    <p:spTree>
-      <p:nvGrpSpPr>
-        <p:cNvPr id="1" name=""/>
-        <p:cNvGrpSpPr/>
-        <p:nvPr/>
-      </p:nvGrpSpPr>
-      <p:grpSpPr>
-        <a:xfrm>
-          <a:off x="0" y="0"/>
-          <a:ext cx="0" cy="0"/>
-          <a:chOff x="0" y="0"/>
-          <a:chExt cx="0" cy="0"/>
-        </a:xfrm>
-      </p:grpSpPr>
-      <p:sp>
-        <p:nvSpPr>
-          <p:cNvPr id="2" name="標題 1">
-            <a:extLst>
-              <a:ext uri="{FF2B5EF4-FFF2-40B4-BE49-F238E27FC236}">
-                <a16:creationId xmlns:a16="http://schemas.microsoft.com/office/drawing/2014/main" id="{B21D5DE3-7A24-BB40-B37A-B232FA273C24}"/>
-              </a:ext>
-            </a:extLst>
-          </p:cNvPr>
-          <p:cNvSpPr>
-            <a:spLocks noGrp="1"/>
-          </p:cNvSpPr>
-          <p:nvPr>
-            <p:ph type="title"/>
-          </p:nvPr>
-        </p:nvSpPr>
-        <p:spPr>
-          <a:xfrm>
-            <a:off x="1305295" y="2934158"/>
-            <a:ext cx="8224295" cy="1320800"/>
-          </a:xfrm>
-        </p:spPr>
-        <p:txBody>
-          <a:bodyPr>
-            <a:normAutofit fontScale="90000"/>
-          </a:bodyPr>
-          <a:lstStyle/>
-          <a:p>
-            <a:r>
-              <a:rPr kumimoji="1" lang="zh-TW" altLang="en-US" sz="2200" dirty="0">
-                <a:solidFill>
-                  <a:schemeClr val="tx1"/>
-                </a:solidFill>
-                <a:hlinkClick r:id="rId2">
-                  <a:extLst>
-                    <a:ext uri="{A12FA001-AC4F-418D-AE19-62706E023703}">
-                      <ahyp:hlinkClr xmlns:ahyp="http://schemas.microsoft.com/office/drawing/2018/hyperlinkcolor" val="tx"/>
-                    </a:ext>
-                  </a:extLst>
-                </a:hlinkClick>
-              </a:rPr>
-              <a:t>程式碼</a:t>
-            </a:r>
-            <a:br>
-              <a:rPr kumimoji="1" lang="en-US" altLang="zh-TW" sz="2200" dirty="0">
-                <a:solidFill>
-                  <a:schemeClr val="tx1"/>
-                </a:solidFill>
-              </a:rPr>
-            </a:br>
-            <a:r>
-              <a:rPr kumimoji="1" lang="en-US" altLang="zh-TW" sz="2200" dirty="0">
-                <a:solidFill>
-                  <a:schemeClr val="tx1"/>
-                </a:solidFill>
-                <a:hlinkClick r:id="rId2"/>
-              </a:rPr>
-              <a:t>https://github.com/keke87cc/california_housing_prediction</a:t>
-            </a:r>
-            <a:br>
-              <a:rPr kumimoji="1" lang="en-US" altLang="zh-TW" sz="2200" dirty="0">
-                <a:solidFill>
-                  <a:schemeClr val="tx1"/>
-                </a:solidFill>
-              </a:rPr>
-            </a:br>
-            <a:br>
-              <a:rPr kumimoji="1" lang="en-US" altLang="zh-TW" sz="2200" dirty="0">
-                <a:solidFill>
-                  <a:schemeClr val="tx1"/>
-                </a:solidFill>
-              </a:rPr>
-            </a:br>
-            <a:endParaRPr kumimoji="1" lang="zh-TW" altLang="en-US" sz="2200" dirty="0">
-              <a:solidFill>
-                <a:schemeClr val="tx1"/>
-              </a:solidFill>
-            </a:endParaRPr>
-          </a:p>
-        </p:txBody>
-      </p:sp>
-    </p:spTree>
-    <p:extLst>
-      <p:ext uri="{BB962C8B-B14F-4D97-AF65-F5344CB8AC3E}">
-        <p14:creationId xmlns:p14="http://schemas.microsoft.com/office/powerpoint/2010/main" val="4215657894"/>
       </p:ext>
     </p:extLst>
   </p:cSld>
